--- a/docs/NoNameGame.pptx
+++ b/docs/NoNameGame.pptx
@@ -262,7 +262,7 @@
           <a:p>
             <a:fld id="{FDA21194-9E4F-4C62-A0F9-1D0D86016CFE}" type="datetimeFigureOut">
               <a:rPr lang="ru-RU" smtClean="0"/>
-              <a:t>20.01.2022</a:t>
+              <a:t>25.01.2022</a:t>
             </a:fld>
             <a:endParaRPr lang="ru-RU"/>
           </a:p>
@@ -460,7 +460,7 @@
           <a:p>
             <a:fld id="{FDA21194-9E4F-4C62-A0F9-1D0D86016CFE}" type="datetimeFigureOut">
               <a:rPr lang="ru-RU" smtClean="0"/>
-              <a:t>20.01.2022</a:t>
+              <a:t>25.01.2022</a:t>
             </a:fld>
             <a:endParaRPr lang="ru-RU"/>
           </a:p>
@@ -668,7 +668,7 @@
           <a:p>
             <a:fld id="{FDA21194-9E4F-4C62-A0F9-1D0D86016CFE}" type="datetimeFigureOut">
               <a:rPr lang="ru-RU" smtClean="0"/>
-              <a:t>20.01.2022</a:t>
+              <a:t>25.01.2022</a:t>
             </a:fld>
             <a:endParaRPr lang="ru-RU"/>
           </a:p>
@@ -866,7 +866,7 @@
           <a:p>
             <a:fld id="{FDA21194-9E4F-4C62-A0F9-1D0D86016CFE}" type="datetimeFigureOut">
               <a:rPr lang="ru-RU" smtClean="0"/>
-              <a:t>20.01.2022</a:t>
+              <a:t>25.01.2022</a:t>
             </a:fld>
             <a:endParaRPr lang="ru-RU"/>
           </a:p>
@@ -1141,7 +1141,7 @@
           <a:p>
             <a:fld id="{FDA21194-9E4F-4C62-A0F9-1D0D86016CFE}" type="datetimeFigureOut">
               <a:rPr lang="ru-RU" smtClean="0"/>
-              <a:t>20.01.2022</a:t>
+              <a:t>25.01.2022</a:t>
             </a:fld>
             <a:endParaRPr lang="ru-RU"/>
           </a:p>
@@ -1406,7 +1406,7 @@
           <a:p>
             <a:fld id="{FDA21194-9E4F-4C62-A0F9-1D0D86016CFE}" type="datetimeFigureOut">
               <a:rPr lang="ru-RU" smtClean="0"/>
-              <a:t>20.01.2022</a:t>
+              <a:t>25.01.2022</a:t>
             </a:fld>
             <a:endParaRPr lang="ru-RU"/>
           </a:p>
@@ -1818,7 +1818,7 @@
           <a:p>
             <a:fld id="{FDA21194-9E4F-4C62-A0F9-1D0D86016CFE}" type="datetimeFigureOut">
               <a:rPr lang="ru-RU" smtClean="0"/>
-              <a:t>20.01.2022</a:t>
+              <a:t>25.01.2022</a:t>
             </a:fld>
             <a:endParaRPr lang="ru-RU"/>
           </a:p>
@@ -1959,7 +1959,7 @@
           <a:p>
             <a:fld id="{FDA21194-9E4F-4C62-A0F9-1D0D86016CFE}" type="datetimeFigureOut">
               <a:rPr lang="ru-RU" smtClean="0"/>
-              <a:t>20.01.2022</a:t>
+              <a:t>25.01.2022</a:t>
             </a:fld>
             <a:endParaRPr lang="ru-RU"/>
           </a:p>
@@ -2072,7 +2072,7 @@
           <a:p>
             <a:fld id="{FDA21194-9E4F-4C62-A0F9-1D0D86016CFE}" type="datetimeFigureOut">
               <a:rPr lang="ru-RU" smtClean="0"/>
-              <a:t>20.01.2022</a:t>
+              <a:t>25.01.2022</a:t>
             </a:fld>
             <a:endParaRPr lang="ru-RU"/>
           </a:p>
@@ -2383,7 +2383,7 @@
           <a:p>
             <a:fld id="{FDA21194-9E4F-4C62-A0F9-1D0D86016CFE}" type="datetimeFigureOut">
               <a:rPr lang="ru-RU" smtClean="0"/>
-              <a:t>20.01.2022</a:t>
+              <a:t>25.01.2022</a:t>
             </a:fld>
             <a:endParaRPr lang="ru-RU"/>
           </a:p>
@@ -2671,7 +2671,7 @@
           <a:p>
             <a:fld id="{FDA21194-9E4F-4C62-A0F9-1D0D86016CFE}" type="datetimeFigureOut">
               <a:rPr lang="ru-RU" smtClean="0"/>
-              <a:t>20.01.2022</a:t>
+              <a:t>25.01.2022</a:t>
             </a:fld>
             <a:endParaRPr lang="ru-RU"/>
           </a:p>
@@ -2912,7 +2912,7 @@
           <a:p>
             <a:fld id="{FDA21194-9E4F-4C62-A0F9-1D0D86016CFE}" type="datetimeFigureOut">
               <a:rPr lang="ru-RU" smtClean="0"/>
-              <a:t>20.01.2022</a:t>
+              <a:t>25.01.2022</a:t>
             </a:fld>
             <a:endParaRPr lang="ru-RU"/>
           </a:p>
@@ -3347,7 +3347,7 @@
         </p:nvSpPr>
         <p:spPr>
           <a:xfrm>
-            <a:off x="-801859" y="529624"/>
+            <a:off x="-879610" y="906439"/>
             <a:ext cx="9144000" cy="2387600"/>
           </a:xfrm>
         </p:spPr>
@@ -3381,7 +3381,7 @@
         </p:nvSpPr>
         <p:spPr>
           <a:xfrm>
-            <a:off x="7439758" y="5304283"/>
+            <a:off x="7430881" y="5295410"/>
             <a:ext cx="3991992" cy="605978"/>
           </a:xfrm>
         </p:spPr>
@@ -3440,6 +3440,100 @@
           </a:p>
         </p:txBody>
       </p:sp>
+      <p:pic>
+        <p:nvPicPr>
+          <p:cNvPr id="5" name="Picture 2">
+            <a:extLst>
+              <a:ext uri="{FF2B5EF4-FFF2-40B4-BE49-F238E27FC236}">
+                <a16:creationId xmlns:a16="http://schemas.microsoft.com/office/drawing/2014/main" id="{BF0423B9-89B5-40B0-A6CD-CD6D14434BAD}"/>
+              </a:ext>
+            </a:extLst>
+          </p:cNvPr>
+          <p:cNvPicPr>
+            <a:picLocks noChangeAspect="1" noChangeArrowheads="1"/>
+          </p:cNvPicPr>
+          <p:nvPr/>
+        </p:nvPicPr>
+        <p:blipFill>
+          <a:blip r:embed="rId2">
+            <a:extLst>
+              <a:ext uri="{28A0092B-C50C-407E-A947-70E740481C1C}">
+                <a14:useLocalDpi xmlns:a14="http://schemas.microsoft.com/office/drawing/2010/main" val="0"/>
+              </a:ext>
+            </a:extLst>
+          </a:blip>
+          <a:srcRect/>
+          <a:stretch>
+            <a:fillRect/>
+          </a:stretch>
+        </p:blipFill>
+        <p:spPr bwMode="auto">
+          <a:xfrm>
+            <a:off x="7921039" y="271561"/>
+            <a:ext cx="2145169" cy="1608877"/>
+          </a:xfrm>
+          <a:prstGeom prst="rect">
+            <a:avLst/>
+          </a:prstGeom>
+          <a:noFill/>
+          <a:extLst>
+            <a:ext uri="{909E8E84-426E-40DD-AFC4-6F175D3DCCD1}">
+              <a14:hiddenFill xmlns:a14="http://schemas.microsoft.com/office/drawing/2010/main">
+                <a:solidFill>
+                  <a:srgbClr val="FFFFFF"/>
+                </a:solidFill>
+              </a14:hiddenFill>
+            </a:ext>
+          </a:extLst>
+        </p:spPr>
+      </p:pic>
+      <p:pic>
+        <p:nvPicPr>
+          <p:cNvPr id="6" name="Picture 2">
+            <a:extLst>
+              <a:ext uri="{FF2B5EF4-FFF2-40B4-BE49-F238E27FC236}">
+                <a16:creationId xmlns:a16="http://schemas.microsoft.com/office/drawing/2014/main" id="{9F19F049-8FCA-4618-BD33-618EF6F58582}"/>
+              </a:ext>
+            </a:extLst>
+          </p:cNvPr>
+          <p:cNvPicPr>
+            <a:picLocks noChangeAspect="1" noChangeArrowheads="1"/>
+          </p:cNvPicPr>
+          <p:nvPr/>
+        </p:nvPicPr>
+        <p:blipFill>
+          <a:blip r:embed="rId3" cstate="hqprint">
+            <a:extLst>
+              <a:ext uri="{28A0092B-C50C-407E-A947-70E740481C1C}">
+                <a14:useLocalDpi xmlns:a14="http://schemas.microsoft.com/office/drawing/2010/main" val="0"/>
+              </a:ext>
+            </a:extLst>
+          </a:blip>
+          <a:srcRect/>
+          <a:stretch>
+            <a:fillRect/>
+          </a:stretch>
+        </p:blipFill>
+        <p:spPr bwMode="auto">
+          <a:xfrm>
+            <a:off x="10236421" y="662289"/>
+            <a:ext cx="1651399" cy="827420"/>
+          </a:xfrm>
+          <a:prstGeom prst="rect">
+            <a:avLst/>
+          </a:prstGeom>
+          <a:noFill/>
+          <a:extLst>
+            <a:ext uri="{909E8E84-426E-40DD-AFC4-6F175D3DCCD1}">
+              <a14:hiddenFill xmlns:a14="http://schemas.microsoft.com/office/drawing/2010/main">
+                <a:solidFill>
+                  <a:srgbClr val="FFFFFF"/>
+                </a:solidFill>
+              </a14:hiddenFill>
+            </a:ext>
+          </a:extLst>
+        </p:spPr>
+      </p:pic>
     </p:spTree>
     <p:extLst>
       <p:ext uri="{BB962C8B-B14F-4D97-AF65-F5344CB8AC3E}">
@@ -3499,7 +3593,7 @@
           <a:lstStyle/>
           <a:p>
             <a:r>
-              <a:rPr lang="ru-RU" sz="4000" dirty="0"/>
+              <a:rPr lang="ru-RU" sz="4000" b="1" dirty="0"/>
               <a:t>Цель</a:t>
             </a:r>
           </a:p>
@@ -3676,10 +3770,10 @@
           </a:lstStyle>
           <a:p>
             <a:r>
-              <a:rPr lang="ru-RU" sz="4000" dirty="0"/>
+              <a:rPr lang="ru-RU" sz="4000" b="1" dirty="0"/>
               <a:t>Идея</a:t>
             </a:r>
-            <a:endParaRPr lang="ru-RU" dirty="0"/>
+            <a:endParaRPr lang="ru-RU" b="1" dirty="0"/>
           </a:p>
         </p:txBody>
       </p:sp>
@@ -3828,7 +3922,7 @@
         </p:nvSpPr>
         <p:spPr>
           <a:xfrm>
-            <a:off x="616975" y="281006"/>
+            <a:off x="927694" y="520705"/>
             <a:ext cx="10515600" cy="1325563"/>
           </a:xfrm>
         </p:spPr>
@@ -3837,19 +3931,19 @@
           <a:lstStyle/>
           <a:p>
             <a:r>
-              <a:rPr lang="ru-RU" sz="4000" dirty="0"/>
+              <a:rPr lang="ru-RU" sz="4000" b="1" dirty="0"/>
               <a:t>Реализация</a:t>
             </a:r>
-            <a:endParaRPr lang="ru-RU" dirty="0"/>
-          </a:p>
-        </p:txBody>
-      </p:sp>
-      <p:sp>
-        <p:nvSpPr>
-          <p:cNvPr id="6" name="TextBox 5">
-            <a:extLst>
-              <a:ext uri="{FF2B5EF4-FFF2-40B4-BE49-F238E27FC236}">
-                <a16:creationId xmlns:a16="http://schemas.microsoft.com/office/drawing/2014/main" id="{A6418357-3785-4A3F-AA5E-0A20DE075AA5}"/>
+            <a:endParaRPr lang="ru-RU" b="1" dirty="0"/>
+          </a:p>
+        </p:txBody>
+      </p:sp>
+      <p:sp>
+        <p:nvSpPr>
+          <p:cNvPr id="11" name="TextBox 10">
+            <a:extLst>
+              <a:ext uri="{FF2B5EF4-FFF2-40B4-BE49-F238E27FC236}">
+                <a16:creationId xmlns:a16="http://schemas.microsoft.com/office/drawing/2014/main" id="{CF613617-6E0E-42C9-8989-F5491FB7BE4C}"/>
               </a:ext>
             </a:extLst>
           </p:cNvPr>
@@ -3858,8 +3952,8 @@
         </p:nvSpPr>
         <p:spPr>
           <a:xfrm>
-            <a:off x="684657" y="3313541"/>
-            <a:ext cx="6096000" cy="369332"/>
+            <a:off x="828604" y="3512208"/>
+            <a:ext cx="6283395" cy="1175706"/>
           </a:xfrm>
           <a:prstGeom prst="rect">
             <a:avLst/>
@@ -3872,68 +3966,316 @@
           </a:bodyPr>
           <a:lstStyle/>
           <a:p>
-            <a:r>
-              <a:rPr lang="ru-RU" sz="1800" i="1" dirty="0"/>
-              <a:t>(Скриншоты из игры, комментарии к скриншотам)</a:t>
-            </a:r>
-            <a:endParaRPr lang="ru-RU" i="1" dirty="0"/>
-          </a:p>
-        </p:txBody>
-      </p:sp>
-      <p:sp>
-        <p:nvSpPr>
-          <p:cNvPr id="5" name="Заголовок 1">
-            <a:extLst>
-              <a:ext uri="{FF2B5EF4-FFF2-40B4-BE49-F238E27FC236}">
-                <a16:creationId xmlns:a16="http://schemas.microsoft.com/office/drawing/2014/main" id="{AB04304A-DF8E-47CD-BDF4-6F38BEF7DDCF}"/>
-              </a:ext>
-            </a:extLst>
-          </p:cNvPr>
-          <p:cNvSpPr txBox="1">
-            <a:spLocks/>
-          </p:cNvSpPr>
+            <a:pPr marL="457200" indent="-457200">
+              <a:lnSpc>
+                <a:spcPct val="120000"/>
+              </a:lnSpc>
+              <a:buFont typeface="Arial" panose="020B0604020202020204" pitchFamily="34" charset="0"/>
+              <a:buChar char="•"/>
+            </a:pPr>
+            <a:r>
+              <a:rPr lang="ru-RU" sz="2000" dirty="0"/>
+              <a:t>База данных: несколько таблиц для хранения общей информации о пользователе и его сохранениях</a:t>
+            </a:r>
+          </a:p>
+        </p:txBody>
+      </p:sp>
+      <p:sp>
+        <p:nvSpPr>
+          <p:cNvPr id="12" name="TextBox 11">
+            <a:extLst>
+              <a:ext uri="{FF2B5EF4-FFF2-40B4-BE49-F238E27FC236}">
+                <a16:creationId xmlns:a16="http://schemas.microsoft.com/office/drawing/2014/main" id="{73F56450-15E8-477E-9A32-7EF3383E2F76}"/>
+              </a:ext>
+            </a:extLst>
+          </p:cNvPr>
+          <p:cNvSpPr txBox="1"/>
           <p:nvPr/>
         </p:nvSpPr>
         <p:spPr>
           <a:xfrm>
-            <a:off x="782311" y="1711932"/>
-            <a:ext cx="10515600" cy="1325563"/>
+            <a:off x="828605" y="4873051"/>
+            <a:ext cx="4971022" cy="437043"/>
+          </a:xfrm>
+          <a:prstGeom prst="rect">
+            <a:avLst/>
+          </a:prstGeom>
+          <a:noFill/>
+        </p:spPr>
+        <p:txBody>
+          <a:bodyPr wrap="square">
+            <a:spAutoFit/>
+          </a:bodyPr>
+          <a:lstStyle/>
+          <a:p>
+            <a:pPr marL="457200" indent="-457200">
+              <a:lnSpc>
+                <a:spcPct val="120000"/>
+              </a:lnSpc>
+              <a:buFont typeface="Arial" panose="020B0604020202020204" pitchFamily="34" charset="0"/>
+              <a:buChar char="•"/>
+            </a:pPr>
+            <a:r>
+              <a:rPr lang="ru-RU" sz="2000" dirty="0"/>
+              <a:t>Используемые модули: </a:t>
+            </a:r>
+            <a:r>
+              <a:rPr lang="en-US" sz="2000" dirty="0" err="1"/>
+              <a:t>PyGame</a:t>
+            </a:r>
+            <a:endParaRPr lang="ru-RU" sz="2000" dirty="0"/>
+          </a:p>
+        </p:txBody>
+      </p:sp>
+      <p:sp>
+        <p:nvSpPr>
+          <p:cNvPr id="13" name="TextBox 12">
+            <a:extLst>
+              <a:ext uri="{FF2B5EF4-FFF2-40B4-BE49-F238E27FC236}">
+                <a16:creationId xmlns:a16="http://schemas.microsoft.com/office/drawing/2014/main" id="{EBFF4F1F-6268-40F1-BF8A-E21246D4839C}"/>
+              </a:ext>
+            </a:extLst>
+          </p:cNvPr>
+          <p:cNvSpPr txBox="1"/>
+          <p:nvPr/>
+        </p:nvSpPr>
+        <p:spPr>
+          <a:xfrm>
+            <a:off x="828605" y="5412107"/>
+            <a:ext cx="4971022" cy="437043"/>
+          </a:xfrm>
+          <a:prstGeom prst="rect">
+            <a:avLst/>
+          </a:prstGeom>
+          <a:noFill/>
+        </p:spPr>
+        <p:txBody>
+          <a:bodyPr wrap="square">
+            <a:spAutoFit/>
+          </a:bodyPr>
+          <a:lstStyle/>
+          <a:p>
+            <a:pPr marL="457200" indent="-457200">
+              <a:lnSpc>
+                <a:spcPct val="120000"/>
+              </a:lnSpc>
+              <a:buFont typeface="Arial" panose="020B0604020202020204" pitchFamily="34" charset="0"/>
+              <a:buChar char="•"/>
+            </a:pPr>
+            <a:r>
+              <a:rPr lang="ru-RU" sz="2000" dirty="0"/>
+              <a:t>Графика: </a:t>
+            </a:r>
+            <a:r>
+              <a:rPr lang="en-US" sz="2000" dirty="0" err="1"/>
+              <a:t>Krita</a:t>
+            </a:r>
+            <a:endParaRPr lang="ru-RU" sz="2000" dirty="0"/>
+          </a:p>
+        </p:txBody>
+      </p:sp>
+      <p:sp>
+        <p:nvSpPr>
+          <p:cNvPr id="14" name="TextBox 13">
+            <a:extLst>
+              <a:ext uri="{FF2B5EF4-FFF2-40B4-BE49-F238E27FC236}">
+                <a16:creationId xmlns:a16="http://schemas.microsoft.com/office/drawing/2014/main" id="{1A957985-1C05-4E16-86FF-909D0DE75109}"/>
+              </a:ext>
+            </a:extLst>
+          </p:cNvPr>
+          <p:cNvSpPr txBox="1"/>
+          <p:nvPr/>
+        </p:nvSpPr>
+        <p:spPr>
+          <a:xfrm>
+            <a:off x="837842" y="2068349"/>
+            <a:ext cx="7622668" cy="1175706"/>
+          </a:xfrm>
+          <a:prstGeom prst="rect">
+            <a:avLst/>
+          </a:prstGeom>
+          <a:noFill/>
+        </p:spPr>
+        <p:txBody>
+          <a:bodyPr wrap="square">
+            <a:spAutoFit/>
+          </a:bodyPr>
+          <a:lstStyle/>
+          <a:p>
+            <a:pPr marL="457200" indent="-457200">
+              <a:lnSpc>
+                <a:spcPct val="120000"/>
+              </a:lnSpc>
+              <a:buFont typeface="Arial" panose="020B0604020202020204" pitchFamily="34" charset="0"/>
+              <a:buChar char="•"/>
+            </a:pPr>
+            <a:r>
+              <a:rPr lang="ru-RU" sz="2000" dirty="0"/>
+              <a:t>Классы: несколько штук под спрайты(</a:t>
+            </a:r>
+            <a:r>
+              <a:rPr lang="en-US" sz="2000" dirty="0"/>
+              <a:t>Character, </a:t>
+            </a:r>
+            <a:r>
+              <a:rPr lang="en-US" sz="2000" dirty="0" err="1"/>
+              <a:t>WorldSprite</a:t>
+            </a:r>
+            <a:r>
+              <a:rPr lang="en-US" sz="2000" dirty="0"/>
+              <a:t>, Button </a:t>
+            </a:r>
+            <a:r>
+              <a:rPr lang="ru-RU" sz="2000" dirty="0"/>
+              <a:t>и </a:t>
+            </a:r>
+            <a:r>
+              <a:rPr lang="ru-RU" sz="2000" dirty="0" err="1"/>
+              <a:t>тп</a:t>
+            </a:r>
+            <a:r>
+              <a:rPr lang="ru-RU" sz="2000" dirty="0"/>
+              <a:t>), классы сцен(</a:t>
+            </a:r>
+            <a:r>
+              <a:rPr lang="en-US" sz="2000" dirty="0" err="1"/>
+              <a:t>MainMenu</a:t>
+            </a:r>
+            <a:r>
+              <a:rPr lang="en-US" sz="2000" dirty="0"/>
+              <a:t>, Scene, Level</a:t>
+            </a:r>
+            <a:r>
+              <a:rPr lang="ru-RU" sz="2000" dirty="0"/>
+              <a:t>), другие вспомогательные классы(</a:t>
+            </a:r>
+            <a:r>
+              <a:rPr lang="en-US" sz="2000" dirty="0" err="1"/>
+              <a:t>ImgEditor</a:t>
+            </a:r>
+            <a:r>
+              <a:rPr lang="en-US" sz="2000" dirty="0"/>
+              <a:t>, </a:t>
+            </a:r>
+            <a:r>
+              <a:rPr lang="en-US" sz="2000" dirty="0" err="1"/>
+              <a:t>DbReq</a:t>
+            </a:r>
+            <a:r>
+              <a:rPr lang="ru-RU" sz="2000" dirty="0"/>
+              <a:t>)</a:t>
+            </a:r>
+          </a:p>
+        </p:txBody>
+      </p:sp>
+      <p:pic>
+        <p:nvPicPr>
+          <p:cNvPr id="3" name="Рисунок 2">
+            <a:extLst>
+              <a:ext uri="{FF2B5EF4-FFF2-40B4-BE49-F238E27FC236}">
+                <a16:creationId xmlns:a16="http://schemas.microsoft.com/office/drawing/2014/main" id="{83644645-5855-49CF-8279-B7308D128E86}"/>
+              </a:ext>
+            </a:extLst>
+          </p:cNvPr>
+          <p:cNvPicPr>
+            <a:picLocks noChangeAspect="1"/>
+          </p:cNvPicPr>
+          <p:nvPr/>
+        </p:nvPicPr>
+        <p:blipFill>
+          <a:blip r:embed="rId2">
+            <a:extLst>
+              <a:ext uri="{28A0092B-C50C-407E-A947-70E740481C1C}">
+                <a14:useLocalDpi xmlns:a14="http://schemas.microsoft.com/office/drawing/2010/main" val="0"/>
+              </a:ext>
+            </a:extLst>
+          </a:blip>
+          <a:stretch>
+            <a:fillRect/>
+          </a:stretch>
+        </p:blipFill>
+        <p:spPr>
+          <a:xfrm>
+            <a:off x="8906441" y="5011733"/>
+            <a:ext cx="994169" cy="1325563"/>
           </a:xfrm>
           <a:prstGeom prst="rect">
             <a:avLst/>
           </a:prstGeom>
         </p:spPr>
-        <p:txBody>
-          <a:bodyPr vert="horz" lIns="91440" tIns="45720" rIns="91440" bIns="45720" rtlCol="0" anchor="ctr">
-            <a:normAutofit/>
-          </a:bodyPr>
-          <a:lstStyle>
-            <a:lvl1pPr algn="l" defTabSz="914400" rtl="0" eaLnBrk="1" latinLnBrk="0" hangingPunct="1">
-              <a:lnSpc>
-                <a:spcPct val="90000"/>
-              </a:lnSpc>
-              <a:spcBef>
-                <a:spcPct val="0"/>
-              </a:spcBef>
-              <a:buNone/>
-              <a:defRPr sz="4400" kern="1200">
-                <a:solidFill>
-                  <a:schemeClr val="tx1"/>
-                </a:solidFill>
-                <a:latin typeface="+mj-lt"/>
-                <a:ea typeface="+mj-ea"/>
-                <a:cs typeface="+mj-cs"/>
-              </a:defRPr>
-            </a:lvl1pPr>
-          </a:lstStyle>
-          <a:p>
-            <a:r>
-              <a:rPr lang="ru-RU" sz="2400" dirty="0"/>
-              <a:t>Описание реализации</a:t>
-            </a:r>
-          </a:p>
-        </p:txBody>
-      </p:sp>
+      </p:pic>
+      <p:pic>
+        <p:nvPicPr>
+          <p:cNvPr id="8" name="Рисунок 7">
+            <a:extLst>
+              <a:ext uri="{FF2B5EF4-FFF2-40B4-BE49-F238E27FC236}">
+                <a16:creationId xmlns:a16="http://schemas.microsoft.com/office/drawing/2014/main" id="{030C0545-8668-4B3A-9C45-6FA4786344C7}"/>
+              </a:ext>
+            </a:extLst>
+          </p:cNvPr>
+          <p:cNvPicPr>
+            <a:picLocks noChangeAspect="1"/>
+          </p:cNvPicPr>
+          <p:nvPr/>
+        </p:nvPicPr>
+        <p:blipFill>
+          <a:blip r:embed="rId3">
+            <a:extLst>
+              <a:ext uri="{28A0092B-C50C-407E-A947-70E740481C1C}">
+                <a14:useLocalDpi xmlns:a14="http://schemas.microsoft.com/office/drawing/2010/main" val="0"/>
+              </a:ext>
+            </a:extLst>
+          </a:blip>
+          <a:stretch>
+            <a:fillRect/>
+          </a:stretch>
+        </p:blipFill>
+        <p:spPr>
+          <a:xfrm>
+            <a:off x="9960472" y="2600728"/>
+            <a:ext cx="1781049" cy="3888623"/>
+          </a:xfrm>
+          <a:prstGeom prst="rect">
+            <a:avLst/>
+          </a:prstGeom>
+        </p:spPr>
+      </p:pic>
+      <p:pic>
+        <p:nvPicPr>
+          <p:cNvPr id="10" name="Рисунок 9">
+            <a:extLst>
+              <a:ext uri="{FF2B5EF4-FFF2-40B4-BE49-F238E27FC236}">
+                <a16:creationId xmlns:a16="http://schemas.microsoft.com/office/drawing/2014/main" id="{98888780-BAC8-4DFF-8850-95D0155D020D}"/>
+              </a:ext>
+            </a:extLst>
+          </p:cNvPr>
+          <p:cNvPicPr>
+            <a:picLocks noChangeAspect="1"/>
+          </p:cNvPicPr>
+          <p:nvPr/>
+        </p:nvPicPr>
+        <p:blipFill>
+          <a:blip r:embed="rId4">
+            <a:extLst>
+              <a:ext uri="{28A0092B-C50C-407E-A947-70E740481C1C}">
+                <a14:useLocalDpi xmlns:a14="http://schemas.microsoft.com/office/drawing/2010/main" val="0"/>
+              </a:ext>
+            </a:extLst>
+          </a:blip>
+          <a:stretch>
+            <a:fillRect/>
+          </a:stretch>
+        </p:blipFill>
+        <p:spPr>
+          <a:xfrm>
+            <a:off x="6839987" y="5335954"/>
+            <a:ext cx="2052784" cy="1026392"/>
+          </a:xfrm>
+          <a:prstGeom prst="rect">
+            <a:avLst/>
+          </a:prstGeom>
+        </p:spPr>
+      </p:pic>
     </p:spTree>
     <p:extLst>
       <p:ext uri="{BB962C8B-B14F-4D97-AF65-F5344CB8AC3E}">
@@ -3966,35 +4308,389 @@
       </p:grpSpPr>
       <p:sp>
         <p:nvSpPr>
-          <p:cNvPr id="4" name="Заголовок 1">
-            <a:extLst>
-              <a:ext uri="{FF2B5EF4-FFF2-40B4-BE49-F238E27FC236}">
-                <a16:creationId xmlns:a16="http://schemas.microsoft.com/office/drawing/2014/main" id="{BA8B6588-0B4F-4B51-BFA9-96ACD69F5CB1}"/>
-              </a:ext>
-            </a:extLst>
-          </p:cNvPr>
-          <p:cNvSpPr>
-            <a:spLocks noGrp="1"/>
-          </p:cNvSpPr>
-          <p:nvPr>
-            <p:ph type="title"/>
-          </p:nvPr>
+          <p:cNvPr id="3" name="Заголовок 1">
+            <a:extLst>
+              <a:ext uri="{FF2B5EF4-FFF2-40B4-BE49-F238E27FC236}">
+                <a16:creationId xmlns:a16="http://schemas.microsoft.com/office/drawing/2014/main" id="{CA62169C-66D1-4B76-92D3-8C381AF90BFB}"/>
+              </a:ext>
+            </a:extLst>
+          </p:cNvPr>
+          <p:cNvSpPr txBox="1">
+            <a:spLocks/>
+          </p:cNvSpPr>
+          <p:nvPr/>
         </p:nvSpPr>
         <p:spPr>
           <a:xfrm>
-            <a:off x="856672" y="485193"/>
+            <a:off x="743683" y="3825362"/>
             <a:ext cx="10515600" cy="1325563"/>
           </a:xfrm>
+          <a:prstGeom prst="rect">
+            <a:avLst/>
+          </a:prstGeom>
         </p:spPr>
         <p:txBody>
-          <a:bodyPr/>
-          <a:lstStyle/>
-          <a:p>
-            <a:r>
-              <a:rPr lang="ru-RU" sz="4000" dirty="0"/>
-              <a:t>Перспективы и вывод</a:t>
-            </a:r>
-            <a:endParaRPr lang="ru-RU" dirty="0"/>
+          <a:bodyPr vert="horz" lIns="91440" tIns="45720" rIns="91440" bIns="45720" rtlCol="0" anchor="ctr">
+            <a:normAutofit/>
+          </a:bodyPr>
+          <a:lstStyle>
+            <a:lvl1pPr algn="l" defTabSz="914400" rtl="0" eaLnBrk="1" latinLnBrk="0" hangingPunct="1">
+              <a:lnSpc>
+                <a:spcPct val="90000"/>
+              </a:lnSpc>
+              <a:spcBef>
+                <a:spcPct val="0"/>
+              </a:spcBef>
+              <a:buNone/>
+              <a:defRPr sz="4400" kern="1200">
+                <a:solidFill>
+                  <a:schemeClr val="tx1"/>
+                </a:solidFill>
+                <a:latin typeface="+mj-lt"/>
+                <a:ea typeface="+mj-ea"/>
+                <a:cs typeface="+mj-cs"/>
+              </a:defRPr>
+            </a:lvl1pPr>
+          </a:lstStyle>
+          <a:p>
+            <a:r>
+              <a:rPr lang="ru-RU" sz="4000" b="1" dirty="0"/>
+              <a:t>Вывод</a:t>
+            </a:r>
+            <a:r>
+              <a:rPr lang="ru-RU" b="1" dirty="0"/>
+              <a:t>:</a:t>
+            </a:r>
+          </a:p>
+        </p:txBody>
+      </p:sp>
+      <p:sp>
+        <p:nvSpPr>
+          <p:cNvPr id="5" name="Заголовок 1">
+            <a:extLst>
+              <a:ext uri="{FF2B5EF4-FFF2-40B4-BE49-F238E27FC236}">
+                <a16:creationId xmlns:a16="http://schemas.microsoft.com/office/drawing/2014/main" id="{4AB7178F-79A8-4EF2-B369-9880F5AFC383}"/>
+              </a:ext>
+            </a:extLst>
+          </p:cNvPr>
+          <p:cNvSpPr txBox="1">
+            <a:spLocks/>
+          </p:cNvSpPr>
+          <p:nvPr/>
+        </p:nvSpPr>
+        <p:spPr>
+          <a:xfrm>
+            <a:off x="752922" y="373457"/>
+            <a:ext cx="4874939" cy="1325563"/>
+          </a:xfrm>
+          <a:prstGeom prst="rect">
+            <a:avLst/>
+          </a:prstGeom>
+        </p:spPr>
+        <p:txBody>
+          <a:bodyPr vert="horz" lIns="91440" tIns="45720" rIns="91440" bIns="45720" rtlCol="0" anchor="ctr">
+            <a:normAutofit/>
+          </a:bodyPr>
+          <a:lstStyle>
+            <a:lvl1pPr algn="l" defTabSz="914400" rtl="0" eaLnBrk="1" latinLnBrk="0" hangingPunct="1">
+              <a:lnSpc>
+                <a:spcPct val="90000"/>
+              </a:lnSpc>
+              <a:spcBef>
+                <a:spcPct val="0"/>
+              </a:spcBef>
+              <a:buNone/>
+              <a:defRPr sz="4400" kern="1200">
+                <a:solidFill>
+                  <a:schemeClr val="tx1"/>
+                </a:solidFill>
+                <a:latin typeface="+mj-lt"/>
+                <a:ea typeface="+mj-ea"/>
+                <a:cs typeface="+mj-cs"/>
+              </a:defRPr>
+            </a:lvl1pPr>
+          </a:lstStyle>
+          <a:p>
+            <a:r>
+              <a:rPr lang="ru-RU" sz="4000" b="1" dirty="0"/>
+              <a:t>Перспективы:</a:t>
+            </a:r>
+          </a:p>
+        </p:txBody>
+      </p:sp>
+      <p:sp>
+        <p:nvSpPr>
+          <p:cNvPr id="6" name="Подзаголовок 2">
+            <a:extLst>
+              <a:ext uri="{FF2B5EF4-FFF2-40B4-BE49-F238E27FC236}">
+                <a16:creationId xmlns:a16="http://schemas.microsoft.com/office/drawing/2014/main" id="{5A6B5F09-B237-4398-A5D3-606CFC12AF8B}"/>
+              </a:ext>
+            </a:extLst>
+          </p:cNvPr>
+          <p:cNvSpPr txBox="1">
+            <a:spLocks/>
+          </p:cNvSpPr>
+          <p:nvPr/>
+        </p:nvSpPr>
+        <p:spPr>
+          <a:xfrm>
+            <a:off x="836949" y="1588140"/>
+            <a:ext cx="10636856" cy="1416158"/>
+          </a:xfrm>
+          <a:prstGeom prst="rect">
+            <a:avLst/>
+          </a:prstGeom>
+        </p:spPr>
+        <p:txBody>
+          <a:bodyPr/>
+          <a:lstStyle>
+            <a:lvl1pPr marL="228600" indent="-228600" algn="l" defTabSz="914400" rtl="0" eaLnBrk="1" latinLnBrk="0" hangingPunct="1">
+              <a:lnSpc>
+                <a:spcPct val="90000"/>
+              </a:lnSpc>
+              <a:spcBef>
+                <a:spcPts val="1000"/>
+              </a:spcBef>
+              <a:buFont typeface="Arial" panose="020B0604020202020204" pitchFamily="34" charset="0"/>
+              <a:buChar char="•"/>
+              <a:defRPr sz="2800" kern="1200">
+                <a:solidFill>
+                  <a:schemeClr val="tx1"/>
+                </a:solidFill>
+                <a:latin typeface="+mn-lt"/>
+                <a:ea typeface="+mn-ea"/>
+                <a:cs typeface="+mn-cs"/>
+              </a:defRPr>
+            </a:lvl1pPr>
+            <a:lvl2pPr marL="685800" indent="-228600" algn="l" defTabSz="914400" rtl="0" eaLnBrk="1" latinLnBrk="0" hangingPunct="1">
+              <a:lnSpc>
+                <a:spcPct val="90000"/>
+              </a:lnSpc>
+              <a:spcBef>
+                <a:spcPts val="500"/>
+              </a:spcBef>
+              <a:buFont typeface="Arial" panose="020B0604020202020204" pitchFamily="34" charset="0"/>
+              <a:buChar char="•"/>
+              <a:defRPr sz="2400" kern="1200">
+                <a:solidFill>
+                  <a:schemeClr val="tx1"/>
+                </a:solidFill>
+                <a:latin typeface="+mn-lt"/>
+                <a:ea typeface="+mn-ea"/>
+                <a:cs typeface="+mn-cs"/>
+              </a:defRPr>
+            </a:lvl2pPr>
+            <a:lvl3pPr marL="1143000" indent="-228600" algn="l" defTabSz="914400" rtl="0" eaLnBrk="1" latinLnBrk="0" hangingPunct="1">
+              <a:lnSpc>
+                <a:spcPct val="90000"/>
+              </a:lnSpc>
+              <a:spcBef>
+                <a:spcPts val="500"/>
+              </a:spcBef>
+              <a:buFont typeface="Arial" panose="020B0604020202020204" pitchFamily="34" charset="0"/>
+              <a:buChar char="•"/>
+              <a:defRPr sz="2000" kern="1200">
+                <a:solidFill>
+                  <a:schemeClr val="tx1"/>
+                </a:solidFill>
+                <a:latin typeface="+mn-lt"/>
+                <a:ea typeface="+mn-ea"/>
+                <a:cs typeface="+mn-cs"/>
+              </a:defRPr>
+            </a:lvl3pPr>
+            <a:lvl4pPr marL="1600200" indent="-228600" algn="l" defTabSz="914400" rtl="0" eaLnBrk="1" latinLnBrk="0" hangingPunct="1">
+              <a:lnSpc>
+                <a:spcPct val="90000"/>
+              </a:lnSpc>
+              <a:spcBef>
+                <a:spcPts val="500"/>
+              </a:spcBef>
+              <a:buFont typeface="Arial" panose="020B0604020202020204" pitchFamily="34" charset="0"/>
+              <a:buChar char="•"/>
+              <a:defRPr sz="1800" kern="1200">
+                <a:solidFill>
+                  <a:schemeClr val="tx1"/>
+                </a:solidFill>
+                <a:latin typeface="+mn-lt"/>
+                <a:ea typeface="+mn-ea"/>
+                <a:cs typeface="+mn-cs"/>
+              </a:defRPr>
+            </a:lvl4pPr>
+            <a:lvl5pPr marL="2057400" indent="-228600" algn="l" defTabSz="914400" rtl="0" eaLnBrk="1" latinLnBrk="0" hangingPunct="1">
+              <a:lnSpc>
+                <a:spcPct val="90000"/>
+              </a:lnSpc>
+              <a:spcBef>
+                <a:spcPts val="500"/>
+              </a:spcBef>
+              <a:buFont typeface="Arial" panose="020B0604020202020204" pitchFamily="34" charset="0"/>
+              <a:buChar char="•"/>
+              <a:defRPr sz="1800" kern="1200">
+                <a:solidFill>
+                  <a:schemeClr val="tx1"/>
+                </a:solidFill>
+                <a:latin typeface="+mn-lt"/>
+                <a:ea typeface="+mn-ea"/>
+                <a:cs typeface="+mn-cs"/>
+              </a:defRPr>
+            </a:lvl5pPr>
+            <a:lvl6pPr marL="2514600" indent="-228600" algn="l" defTabSz="914400" rtl="0" eaLnBrk="1" latinLnBrk="0" hangingPunct="1">
+              <a:lnSpc>
+                <a:spcPct val="90000"/>
+              </a:lnSpc>
+              <a:spcBef>
+                <a:spcPts val="500"/>
+              </a:spcBef>
+              <a:buFont typeface="Arial" panose="020B0604020202020204" pitchFamily="34" charset="0"/>
+              <a:buChar char="•"/>
+              <a:defRPr sz="1800" kern="1200">
+                <a:solidFill>
+                  <a:schemeClr val="tx1"/>
+                </a:solidFill>
+                <a:latin typeface="+mn-lt"/>
+                <a:ea typeface="+mn-ea"/>
+                <a:cs typeface="+mn-cs"/>
+              </a:defRPr>
+            </a:lvl6pPr>
+            <a:lvl7pPr marL="2971800" indent="-228600" algn="l" defTabSz="914400" rtl="0" eaLnBrk="1" latinLnBrk="0" hangingPunct="1">
+              <a:lnSpc>
+                <a:spcPct val="90000"/>
+              </a:lnSpc>
+              <a:spcBef>
+                <a:spcPts val="500"/>
+              </a:spcBef>
+              <a:buFont typeface="Arial" panose="020B0604020202020204" pitchFamily="34" charset="0"/>
+              <a:buChar char="•"/>
+              <a:defRPr sz="1800" kern="1200">
+                <a:solidFill>
+                  <a:schemeClr val="tx1"/>
+                </a:solidFill>
+                <a:latin typeface="+mn-lt"/>
+                <a:ea typeface="+mn-ea"/>
+                <a:cs typeface="+mn-cs"/>
+              </a:defRPr>
+            </a:lvl7pPr>
+            <a:lvl8pPr marL="3429000" indent="-228600" algn="l" defTabSz="914400" rtl="0" eaLnBrk="1" latinLnBrk="0" hangingPunct="1">
+              <a:lnSpc>
+                <a:spcPct val="90000"/>
+              </a:lnSpc>
+              <a:spcBef>
+                <a:spcPts val="500"/>
+              </a:spcBef>
+              <a:buFont typeface="Arial" panose="020B0604020202020204" pitchFamily="34" charset="0"/>
+              <a:buChar char="•"/>
+              <a:defRPr sz="1800" kern="1200">
+                <a:solidFill>
+                  <a:schemeClr val="tx1"/>
+                </a:solidFill>
+                <a:latin typeface="+mn-lt"/>
+                <a:ea typeface="+mn-ea"/>
+                <a:cs typeface="+mn-cs"/>
+              </a:defRPr>
+            </a:lvl8pPr>
+            <a:lvl9pPr marL="3886200" indent="-228600" algn="l" defTabSz="914400" rtl="0" eaLnBrk="1" latinLnBrk="0" hangingPunct="1">
+              <a:lnSpc>
+                <a:spcPct val="90000"/>
+              </a:lnSpc>
+              <a:spcBef>
+                <a:spcPts val="500"/>
+              </a:spcBef>
+              <a:buFont typeface="Arial" panose="020B0604020202020204" pitchFamily="34" charset="0"/>
+              <a:buChar char="•"/>
+              <a:defRPr sz="1800" kern="1200">
+                <a:solidFill>
+                  <a:schemeClr val="tx1"/>
+                </a:solidFill>
+                <a:latin typeface="+mn-lt"/>
+                <a:ea typeface="+mn-ea"/>
+                <a:cs typeface="+mn-cs"/>
+              </a:defRPr>
+            </a:lvl9pPr>
+          </a:lstStyle>
+          <a:p>
+            <a:r>
+              <a:rPr lang="ru-RU" sz="2000" dirty="0"/>
+              <a:t>Увеличить игровое время</a:t>
+            </a:r>
+          </a:p>
+          <a:p>
+            <a:r>
+              <a:rPr lang="ru-RU" sz="2000" dirty="0"/>
+              <a:t>Добавить иллюстрации</a:t>
+            </a:r>
+          </a:p>
+          <a:p>
+            <a:r>
+              <a:rPr lang="ru-RU" sz="2000" dirty="0"/>
+              <a:t>…</a:t>
+            </a:r>
+          </a:p>
+          <a:p>
+            <a:endParaRPr lang="ru-RU" sz="2000" dirty="0"/>
+          </a:p>
+          <a:p>
+            <a:endParaRPr lang="ru-RU" sz="2000" dirty="0"/>
+          </a:p>
+          <a:p>
+            <a:endParaRPr lang="ru-RU" sz="2000" dirty="0"/>
+          </a:p>
+        </p:txBody>
+      </p:sp>
+      <p:sp>
+        <p:nvSpPr>
+          <p:cNvPr id="7" name="Заголовок 1">
+            <a:extLst>
+              <a:ext uri="{FF2B5EF4-FFF2-40B4-BE49-F238E27FC236}">
+                <a16:creationId xmlns:a16="http://schemas.microsoft.com/office/drawing/2014/main" id="{DC24692F-22C1-4C00-8365-661B2132CF6B}"/>
+              </a:ext>
+            </a:extLst>
+          </p:cNvPr>
+          <p:cNvSpPr txBox="1">
+            <a:spLocks/>
+          </p:cNvSpPr>
+          <p:nvPr/>
+        </p:nvSpPr>
+        <p:spPr>
+          <a:xfrm>
+            <a:off x="1050629" y="4775564"/>
+            <a:ext cx="10169435" cy="1325563"/>
+          </a:xfrm>
+          <a:prstGeom prst="rect">
+            <a:avLst/>
+          </a:prstGeom>
+        </p:spPr>
+        <p:txBody>
+          <a:bodyPr vert="horz" lIns="91440" tIns="45720" rIns="91440" bIns="45720" rtlCol="0" anchor="ctr">
+            <a:normAutofit/>
+          </a:bodyPr>
+          <a:lstStyle>
+            <a:lvl1pPr algn="l" defTabSz="914400" rtl="0" eaLnBrk="1" latinLnBrk="0" hangingPunct="1">
+              <a:lnSpc>
+                <a:spcPct val="90000"/>
+              </a:lnSpc>
+              <a:spcBef>
+                <a:spcPct val="0"/>
+              </a:spcBef>
+              <a:buNone/>
+              <a:defRPr sz="4400" kern="1200">
+                <a:solidFill>
+                  <a:schemeClr val="tx1"/>
+                </a:solidFill>
+                <a:latin typeface="+mj-lt"/>
+                <a:ea typeface="+mj-ea"/>
+                <a:cs typeface="+mj-cs"/>
+              </a:defRPr>
+            </a:lvl1pPr>
+          </a:lstStyle>
+          <a:p>
+            <a:r>
+              <a:rPr lang="ru-RU" sz="2800" dirty="0"/>
+              <a:t>       </a:t>
+            </a:r>
+            <a:r>
+              <a:rPr lang="ru-RU" sz="2400" dirty="0"/>
+              <a:t>В целом, я довольна результатом. Идей очень много, скорее всего, я буду развивать этот проект.</a:t>
+            </a:r>
           </a:p>
         </p:txBody>
       </p:sp>

--- a/docs/NoNameGame.pptx
+++ b/docs/NoNameGame.pptx
@@ -262,7 +262,7 @@
           <a:p>
             <a:fld id="{FDA21194-9E4F-4C62-A0F9-1D0D86016CFE}" type="datetimeFigureOut">
               <a:rPr lang="ru-RU" smtClean="0"/>
-              <a:t>25.01.2022</a:t>
+              <a:t>01.03.2022</a:t>
             </a:fld>
             <a:endParaRPr lang="ru-RU"/>
           </a:p>
@@ -460,7 +460,7 @@
           <a:p>
             <a:fld id="{FDA21194-9E4F-4C62-A0F9-1D0D86016CFE}" type="datetimeFigureOut">
               <a:rPr lang="ru-RU" smtClean="0"/>
-              <a:t>25.01.2022</a:t>
+              <a:t>01.03.2022</a:t>
             </a:fld>
             <a:endParaRPr lang="ru-RU"/>
           </a:p>
@@ -668,7 +668,7 @@
           <a:p>
             <a:fld id="{FDA21194-9E4F-4C62-A0F9-1D0D86016CFE}" type="datetimeFigureOut">
               <a:rPr lang="ru-RU" smtClean="0"/>
-              <a:t>25.01.2022</a:t>
+              <a:t>01.03.2022</a:t>
             </a:fld>
             <a:endParaRPr lang="ru-RU"/>
           </a:p>
@@ -866,7 +866,7 @@
           <a:p>
             <a:fld id="{FDA21194-9E4F-4C62-A0F9-1D0D86016CFE}" type="datetimeFigureOut">
               <a:rPr lang="ru-RU" smtClean="0"/>
-              <a:t>25.01.2022</a:t>
+              <a:t>01.03.2022</a:t>
             </a:fld>
             <a:endParaRPr lang="ru-RU"/>
           </a:p>
@@ -1141,7 +1141,7 @@
           <a:p>
             <a:fld id="{FDA21194-9E4F-4C62-A0F9-1D0D86016CFE}" type="datetimeFigureOut">
               <a:rPr lang="ru-RU" smtClean="0"/>
-              <a:t>25.01.2022</a:t>
+              <a:t>01.03.2022</a:t>
             </a:fld>
             <a:endParaRPr lang="ru-RU"/>
           </a:p>
@@ -1406,7 +1406,7 @@
           <a:p>
             <a:fld id="{FDA21194-9E4F-4C62-A0F9-1D0D86016CFE}" type="datetimeFigureOut">
               <a:rPr lang="ru-RU" smtClean="0"/>
-              <a:t>25.01.2022</a:t>
+              <a:t>01.03.2022</a:t>
             </a:fld>
             <a:endParaRPr lang="ru-RU"/>
           </a:p>
@@ -1818,7 +1818,7 @@
           <a:p>
             <a:fld id="{FDA21194-9E4F-4C62-A0F9-1D0D86016CFE}" type="datetimeFigureOut">
               <a:rPr lang="ru-RU" smtClean="0"/>
-              <a:t>25.01.2022</a:t>
+              <a:t>01.03.2022</a:t>
             </a:fld>
             <a:endParaRPr lang="ru-RU"/>
           </a:p>
@@ -1959,7 +1959,7 @@
           <a:p>
             <a:fld id="{FDA21194-9E4F-4C62-A0F9-1D0D86016CFE}" type="datetimeFigureOut">
               <a:rPr lang="ru-RU" smtClean="0"/>
-              <a:t>25.01.2022</a:t>
+              <a:t>01.03.2022</a:t>
             </a:fld>
             <a:endParaRPr lang="ru-RU"/>
           </a:p>
@@ -2072,7 +2072,7 @@
           <a:p>
             <a:fld id="{FDA21194-9E4F-4C62-A0F9-1D0D86016CFE}" type="datetimeFigureOut">
               <a:rPr lang="ru-RU" smtClean="0"/>
-              <a:t>25.01.2022</a:t>
+              <a:t>01.03.2022</a:t>
             </a:fld>
             <a:endParaRPr lang="ru-RU"/>
           </a:p>
@@ -2383,7 +2383,7 @@
           <a:p>
             <a:fld id="{FDA21194-9E4F-4C62-A0F9-1D0D86016CFE}" type="datetimeFigureOut">
               <a:rPr lang="ru-RU" smtClean="0"/>
-              <a:t>25.01.2022</a:t>
+              <a:t>01.03.2022</a:t>
             </a:fld>
             <a:endParaRPr lang="ru-RU"/>
           </a:p>
@@ -2671,7 +2671,7 @@
           <a:p>
             <a:fld id="{FDA21194-9E4F-4C62-A0F9-1D0D86016CFE}" type="datetimeFigureOut">
               <a:rPr lang="ru-RU" smtClean="0"/>
-              <a:t>25.01.2022</a:t>
+              <a:t>01.03.2022</a:t>
             </a:fld>
             <a:endParaRPr lang="ru-RU"/>
           </a:p>
@@ -2912,7 +2912,7 @@
           <a:p>
             <a:fld id="{FDA21194-9E4F-4C62-A0F9-1D0D86016CFE}" type="datetimeFigureOut">
               <a:rPr lang="ru-RU" smtClean="0"/>
-              <a:t>25.01.2022</a:t>
+              <a:t>01.03.2022</a:t>
             </a:fld>
             <a:endParaRPr lang="ru-RU"/>
           </a:p>
@@ -3792,7 +3792,7 @@
         <p:spPr>
           <a:xfrm>
             <a:off x="613032" y="2898366"/>
-            <a:ext cx="8575356" cy="3165162"/>
+            <a:ext cx="8575356" cy="2721964"/>
           </a:xfrm>
           <a:prstGeom prst="rect">
             <a:avLst/>
@@ -3848,8 +3848,9 @@
             </a:pPr>
             <a:r>
               <a:rPr lang="ru-RU" sz="2400" dirty="0"/>
-              <a:t>Каждый уровень представляет из себя сражение с врагами, появляющимися на поле и атакующими в ответ</a:t>
-            </a:r>
+              <a:t>Каждый уровень представляет из себя сражение с врагами, появляющимися на поле </a:t>
+            </a:r>
+            <a:endParaRPr lang="en-US" sz="2400" dirty="0"/>
           </a:p>
           <a:p>
             <a:pPr marL="457200" indent="-457200">
@@ -3869,7 +3870,15 @@
             </a:r>
             <a:r>
               <a:rPr lang="ru-RU" sz="2400" dirty="0"/>
-              <a:t>поле в поисках различных артефактов, взаимодействовать с персонажами</a:t>
+              <a:t>поле</a:t>
+            </a:r>
+            <a:r>
+              <a:rPr lang="en-US" sz="2400" dirty="0"/>
+              <a:t>, </a:t>
+            </a:r>
+            <a:r>
+              <a:rPr lang="ru-RU" sz="2400" dirty="0"/>
+              <a:t>взаимодействовать с персонажами</a:t>
             </a:r>
           </a:p>
         </p:txBody>
@@ -3953,7 +3962,7 @@
         <p:spPr>
           <a:xfrm>
             <a:off x="828604" y="3512208"/>
-            <a:ext cx="6283395" cy="1175706"/>
+            <a:ext cx="6283395" cy="806375"/>
           </a:xfrm>
           <a:prstGeom prst="rect">
             <a:avLst/>
@@ -3974,9 +3983,18 @@
               <a:buChar char="•"/>
             </a:pPr>
             <a:r>
+              <a:rPr lang="en-US" sz="2000" dirty="0"/>
+              <a:t>Txt</a:t>
+            </a:r>
+            <a:r>
               <a:rPr lang="ru-RU" sz="2000" dirty="0"/>
-              <a:t>База данных: несколько таблиц для хранения общей информации о пользователе и его сохранениях</a:t>
-            </a:r>
+              <a:t> файлы для хранения информации о каждом уровне, о игроке и </a:t>
+            </a:r>
+            <a:r>
+              <a:rPr lang="ru-RU" sz="2000" dirty="0" err="1"/>
+              <a:t>тп</a:t>
+            </a:r>
+            <a:endParaRPr lang="ru-RU" sz="2000" dirty="0"/>
           </a:p>
         </p:txBody>
       </p:sp>
@@ -3994,7 +4012,7 @@
         </p:nvSpPr>
         <p:spPr>
           <a:xfrm>
-            <a:off x="828605" y="4873051"/>
+            <a:off x="828605" y="4509066"/>
             <a:ext cx="4971022" cy="437043"/>
           </a:xfrm>
           <a:prstGeom prst="rect">
@@ -4041,7 +4059,7 @@
         </p:nvSpPr>
         <p:spPr>
           <a:xfrm>
-            <a:off x="828605" y="5412107"/>
+            <a:off x="828605" y="5048122"/>
             <a:ext cx="4971022" cy="437043"/>
           </a:xfrm>
           <a:prstGeom prst="rect">
@@ -4610,6 +4628,12 @@
           <a:p>
             <a:r>
               <a:rPr lang="ru-RU" sz="2000" dirty="0"/>
+              <a:t>Увеличить сложность уровня: пусть враги двигаются и атакуют в ответ</a:t>
+            </a:r>
+          </a:p>
+          <a:p>
+            <a:r>
+              <a:rPr lang="ru-RU" sz="2000" dirty="0"/>
               <a:t>Увеличить игровое время</a:t>
             </a:r>
           </a:p>
@@ -4622,8 +4646,26 @@
           <a:p>
             <a:r>
               <a:rPr lang="ru-RU" sz="2000" dirty="0"/>
-              <a:t>…</a:t>
-            </a:r>
+              <a:t>Добавить звук, музыку</a:t>
+            </a:r>
+          </a:p>
+          <a:p>
+            <a:r>
+              <a:rPr lang="ru-RU" sz="2000" dirty="0"/>
+              <a:t>Создать настройки</a:t>
+            </a:r>
+          </a:p>
+          <a:p>
+            <a:r>
+              <a:rPr lang="ru-RU" sz="2000" dirty="0"/>
+              <a:t>Сохранять прогресс</a:t>
+            </a:r>
+          </a:p>
+          <a:p>
+            <a:pPr marL="0" indent="0">
+              <a:buNone/>
+            </a:pPr>
+            <a:endParaRPr lang="ru-RU" sz="2000" dirty="0"/>
           </a:p>
           <a:p>
             <a:endParaRPr lang="ru-RU" sz="2000" dirty="0"/>
@@ -4689,7 +4731,7 @@
             </a:r>
             <a:r>
               <a:rPr lang="ru-RU" sz="2400" dirty="0"/>
-              <a:t>В целом, я довольна результатом. Идей очень много, скорее всего, я буду развивать этот проект.</a:t>
+              <a:t>Не получилось реализовать многие идеи, но в целом, я довольна результатом. Идей очень много, скорее всего, я буду развивать этот проект.</a:t>
             </a:r>
           </a:p>
         </p:txBody>
